--- a/final_project/2021042016 최예진 ppt.pptx
+++ b/final_project/2021042016 최예진 ppt.pptx
@@ -136,7 +136,7 @@
   <pc:docChgLst>
     <pc:chgData name="최 예진" userId="46123811b6b6c905" providerId="LiveId" clId="{EA966F51-3BFB-4CE4-9679-EA29F35D2D41}"/>
     <pc:docChg chg="undo custSel addSld delSld modSld sldOrd delMainMaster">
-      <pc:chgData name="최 예진" userId="46123811b6b6c905" providerId="LiveId" clId="{EA966F51-3BFB-4CE4-9679-EA29F35D2D41}" dt="2021-12-11T12:20:15.182" v="3842" actId="20577"/>
+      <pc:chgData name="최 예진" userId="46123811b6b6c905" providerId="LiveId" clId="{EA966F51-3BFB-4CE4-9679-EA29F35D2D41}" dt="2021-12-11T12:39:36.136" v="3845"/>
       <pc:docMkLst>
         <pc:docMk/>
       </pc:docMkLst>
@@ -618,7 +618,7 @@
         </pc:picChg>
       </pc:sldChg>
       <pc:sldChg chg="addSp delSp modSp mod">
-        <pc:chgData name="최 예진" userId="46123811b6b6c905" providerId="LiveId" clId="{EA966F51-3BFB-4CE4-9679-EA29F35D2D41}" dt="2021-12-11T11:20:14.230" v="1950" actId="20577"/>
+        <pc:chgData name="최 예진" userId="46123811b6b6c905" providerId="LiveId" clId="{EA966F51-3BFB-4CE4-9679-EA29F35D2D41}" dt="2021-12-11T12:39:36.136" v="3845"/>
         <pc:sldMkLst>
           <pc:docMk/>
           <pc:sldMk cId="0" sldId="271"/>
@@ -632,7 +632,7 @@
           </ac:spMkLst>
         </pc:spChg>
         <pc:spChg chg="add mod">
-          <ac:chgData name="최 예진" userId="46123811b6b6c905" providerId="LiveId" clId="{EA966F51-3BFB-4CE4-9679-EA29F35D2D41}" dt="2021-12-11T11:20:14.230" v="1950" actId="20577"/>
+          <ac:chgData name="최 예진" userId="46123811b6b6c905" providerId="LiveId" clId="{EA966F51-3BFB-4CE4-9679-EA29F35D2D41}" dt="2021-12-11T12:39:36.136" v="3845"/>
           <ac:spMkLst>
             <pc:docMk/>
             <pc:sldMk cId="0" sldId="271"/>
@@ -8983,7 +8983,31 @@
           <a:p>
             <a:r>
               <a:rPr lang="en-US" altLang="ko-KR" dirty="0"/>
-              <a:t>GIT HUB :</a:t>
+              <a:t>GIT HUB : </a:t>
+            </a:r>
+            <a:r>
+              <a:rPr lang="en-US" altLang="ko-KR" dirty="0">
+                <a:hlinkClick r:id="rId3"/>
+              </a:rPr>
+              <a:t>YeJin-Choi88/</a:t>
+            </a:r>
+            <a:r>
+              <a:rPr lang="en-US" altLang="ko-KR" dirty="0" err="1">
+                <a:hlinkClick r:id="rId3"/>
+              </a:rPr>
+              <a:t>opensw</a:t>
+            </a:r>
+            <a:r>
+              <a:rPr lang="en-US" altLang="ko-KR" dirty="0">
+                <a:hlinkClick r:id="rId3"/>
+              </a:rPr>
+              <a:t> (github.com)</a:t>
+            </a:r>
+            <a:r>
+              <a:rPr lang="en-US" altLang="ko-KR" dirty="0">
+                <a:hlinkClick r:id="rId4"/>
+              </a:rPr>
+              <a:t>)</a:t>
             </a:r>
             <a:endParaRPr lang="ko-KR" altLang="en-US" dirty="0"/>
           </a:p>
